--- a/Week 2/Slides/day3.pptx
+++ b/Week 2/Slides/day3.pptx
@@ -21,15 +21,15 @@
   <p:notesSz cx="8229600" cy="14630400"/>
   <p:embeddedFontLst>
     <p:embeddedFont>
-      <p:font typeface="Calibri" panose="020F0502020204030204" pitchFamily="34" charset="0"/>
+      <p:font typeface="Tomorrow Semi Bold" panose="020B0604020202020204" charset="0"/>
       <p:regular r:id="rId11"/>
-      <p:bold r:id="rId12"/>
-      <p:italic r:id="rId13"/>
-      <p:boldItalic r:id="rId14"/>
     </p:embeddedFont>
     <p:embeddedFont>
-      <p:font typeface="Tomorrow Semi Bold" panose="020B0604020202020204" charset="0"/>
-      <p:regular r:id="rId15"/>
+      <p:font typeface="Calibri" panose="020F0502020204030204" pitchFamily="34" charset="0"/>
+      <p:regular r:id="rId12"/>
+      <p:bold r:id="rId13"/>
+      <p:italic r:id="rId14"/>
+      <p:boldItalic r:id="rId15"/>
     </p:embeddedFont>
   </p:embeddedFontLst>
   <p:defaultTextStyle>
@@ -3212,7 +3212,7 @@
         <p:spPr>
           <a:xfrm>
             <a:off x="6076949" y="1108873"/>
-            <a:ext cx="6562605" cy="923330"/>
+            <a:ext cx="6562605" cy="1200329"/>
           </a:xfrm>
           <a:prstGeom prst="rect">
             <a:avLst/>
@@ -3235,8 +3235,37 @@
             </a:r>
             <a:r>
               <a:rPr lang="en-US" dirty="0" smtClean="0"/>
-              <a:t>:- emails spam messages</a:t>
+              <a:t>:- emails spam </a:t>
             </a:r>
+            <a:r>
+              <a:rPr lang="en-US" dirty="0" smtClean="0"/>
+              <a:t>messages (</a:t>
+            </a:r>
+            <a:r>
+              <a:rPr lang="en-US" dirty="0" err="1" smtClean="0"/>
+              <a:t>prob</a:t>
+            </a:r>
+            <a:r>
+              <a:rPr lang="en-US" dirty="0" smtClean="0"/>
+              <a:t> </a:t>
+            </a:r>
+            <a:r>
+              <a:rPr lang="en-US" dirty="0" err="1" smtClean="0"/>
+              <a:t>ko</a:t>
+            </a:r>
+            <a:r>
+              <a:rPr lang="en-US" dirty="0" smtClean="0"/>
+              <a:t> </a:t>
+            </a:r>
+            <a:r>
+              <a:rPr lang="en-US" dirty="0" err="1" smtClean="0"/>
+              <a:t>aadhar</a:t>
+            </a:r>
+            <a:r>
+              <a:rPr lang="en-US" dirty="0" smtClean="0"/>
+              <a:t> ma )</a:t>
+            </a:r>
+            <a:endParaRPr lang="en-US" dirty="0" smtClean="0"/>
           </a:p>
           <a:p>
             <a:r>
